--- a/Poster better version.pptx
+++ b/Poster better version.pptx
@@ -3287,7 +3287,7 @@
                 <a:cs typeface="Myriad Pro Semibold" charset="0"/>
                 <a:sym typeface="Myriad Pro Semibold" charset="0"/>
               </a:rPr>
-              <a:t>Developing A Web and Mobile Based Inventory Management System in ASP.NET</a:t>
+              <a:t>Developing A Web and Mobile Based Inventory Management System in ASP.NET/C#</a:t>
             </a:r>
             <a:br>
               <a:rPr lang="en-US" altLang="en-US" sz="12300" b="1" dirty="0">
@@ -3589,8 +3589,8 @@
         </p:nvSpPr>
         <p:spPr bwMode="auto">
           <a:xfrm>
-            <a:off x="816430" y="12192000"/>
-            <a:ext cx="18385970" cy="8819433"/>
+            <a:off x="816430" y="11201348"/>
+            <a:ext cx="18385970" cy="6299595"/>
           </a:xfrm>
           <a:prstGeom prst="roundRect">
             <a:avLst/>
@@ -3640,16 +3640,16 @@
           <a:p>
             <a:pPr lvl="0" algn="ctr"/>
             <a:r>
-              <a:rPr lang="en-US" sz="4400" u="sng" dirty="0">
+              <a:rPr lang="en-US" sz="4400" b="1" u="sng" dirty="0">
                 <a:latin typeface="Helvetica"/>
                 <a:cs typeface="Helvetica"/>
               </a:rPr>
-              <a:t>Abstract:</a:t>
+              <a:t>Abstract</a:t>
             </a:r>
           </a:p>
           <a:p>
             <a:pPr lvl="0"/>
-            <a:endParaRPr lang="en-US" sz="3600" dirty="0">
+            <a:endParaRPr lang="en-US" sz="4000" dirty="0">
               <a:latin typeface="Helvetica"/>
               <a:cs typeface="Helvetica"/>
             </a:endParaRPr>
@@ -3657,11 +3657,11 @@
           <a:p>
             <a:pPr lvl="0"/>
             <a:r>
-              <a:rPr lang="en-US" sz="3600" dirty="0">
+              <a:rPr lang="en-US" sz="4000" dirty="0">
                 <a:latin typeface="Helvetica"/>
                 <a:cs typeface="Helvetica"/>
               </a:rPr>
-              <a:t>Currently the University of North Dakota Computer Science department (UND CSCI) tracks its equipment via an Excel spread sheet. Under the current system each piece of equipment is given a barcode representing a unique identification number which then then must be manually added to the inventory spread sheet. This is a time-consuming task combined with the access issue presented with storing this information in a single spread sheet file makes the current system inefficient and to an extent risky to use. This project is aimed at replacing the current system with one that will allow multiple users appropriate access to the inventory data, as well as speed up the entry process by scanning each items barcode with a phone camera. To accomplish this, a web application was built to provide an interface for the user to access the different functions. From this application, they are able to create, delete, view, update, and locate inventory given the correct permissions</a:t>
+              <a:t>University of North Dakota Computer Science department (UND CSCI) currently tracks its equipment through a Excel Spreadsheet type system. This can lead to accuracy and security errors. With the Inventory Management System (I.M.S), it provides an interface that is easy to use with functionality such as creating, viewing, and updating inventory. I.M.S utilizes a mobile phone’s camera to be able to scan barcodes that are already part of the current system.</a:t>
             </a:r>
           </a:p>
         </p:txBody>
@@ -3680,7 +3680,7 @@
         </p:nvSpPr>
         <p:spPr>
           <a:xfrm>
-            <a:off x="20261039" y="19611975"/>
+            <a:off x="20406755" y="20871675"/>
             <a:ext cx="6400800" cy="646331"/>
           </a:xfrm>
           <a:prstGeom prst="rect">
@@ -3703,10 +3703,10 @@
       </p:sp>
       <p:pic>
         <p:nvPicPr>
-          <p:cNvPr id="1028" name="Picture 4" descr="https://raw.githubusercontent.com/frozenNodak/InventoryManagement491/master/PosterScreenshots/Login.JPG">
+          <p:cNvPr id="1030" name="Picture 6" descr="https://raw.githubusercontent.com/frozenNodak/InventoryManagement491/master/PosterScreenshots/Home.JPG">
             <a:extLst>
               <a:ext uri="{FF2B5EF4-FFF2-40B4-BE49-F238E27FC236}">
-                <a16:creationId xmlns:a16="http://schemas.microsoft.com/office/drawing/2014/main" id="{FBF93EA8-F769-478C-B208-D94239320F18}"/>
+                <a16:creationId xmlns:a16="http://schemas.microsoft.com/office/drawing/2014/main" id="{66A006CC-3952-48D3-AC49-64497B0650AA}"/>
               </a:ext>
             </a:extLst>
           </p:cNvPr>
@@ -3730,8 +3730,8 @@
         </p:blipFill>
         <p:spPr bwMode="auto">
           <a:xfrm>
-            <a:off x="20425586" y="20872200"/>
-            <a:ext cx="5419725" cy="5153025"/>
+            <a:off x="20406755" y="11226748"/>
+            <a:ext cx="11975171" cy="9499652"/>
           </a:xfrm>
           <a:prstGeom prst="rect">
             <a:avLst/>
@@ -3748,47 +3748,12 @@
           </a:extLst>
         </p:spPr>
       </p:pic>
-      <p:sp>
-        <p:nvSpPr>
-          <p:cNvPr id="10" name="TextBox 9">
+      <p:pic>
+        <p:nvPicPr>
+          <p:cNvPr id="1032" name="Picture 8" descr="CreateInventory.JPG">
             <a:extLst>
               <a:ext uri="{FF2B5EF4-FFF2-40B4-BE49-F238E27FC236}">
-                <a16:creationId xmlns:a16="http://schemas.microsoft.com/office/drawing/2014/main" id="{0577F584-05CC-4E52-AAAE-8F6B4368432B}"/>
-              </a:ext>
-            </a:extLst>
-          </p:cNvPr>
-          <p:cNvSpPr txBox="1"/>
-          <p:nvPr/>
-        </p:nvSpPr>
-        <p:spPr>
-          <a:xfrm>
-            <a:off x="20261039" y="26025225"/>
-            <a:ext cx="6400800" cy="646331"/>
-          </a:xfrm>
-          <a:prstGeom prst="rect">
-            <a:avLst/>
-          </a:prstGeom>
-          <a:noFill/>
-        </p:spPr>
-        <p:txBody>
-          <a:bodyPr wrap="square" rtlCol="0">
-            <a:spAutoFit/>
-          </a:bodyPr>
-          <a:lstStyle/>
-          <a:p>
-            <a:r>
-              <a:rPr lang="en-US" sz="3600" dirty="0"/>
-              <a:t>Diagram 2: Login Page </a:t>
-            </a:r>
-          </a:p>
-        </p:txBody>
-      </p:sp>
-      <p:pic>
-        <p:nvPicPr>
-          <p:cNvPr id="1030" name="Picture 6" descr="https://raw.githubusercontent.com/frozenNodak/InventoryManagement491/master/PosterScreenshots/Home.JPG">
-            <a:extLst>
-              <a:ext uri="{FF2B5EF4-FFF2-40B4-BE49-F238E27FC236}">
-                <a16:creationId xmlns:a16="http://schemas.microsoft.com/office/drawing/2014/main" id="{66A006CC-3952-48D3-AC49-64497B0650AA}"/>
+                <a16:creationId xmlns:a16="http://schemas.microsoft.com/office/drawing/2014/main" id="{D9E5B57B-BD1C-4C40-81FB-C989DF0E5758}"/>
               </a:ext>
             </a:extLst>
           </p:cNvPr>
@@ -3812,55 +3777,8 @@
         </p:blipFill>
         <p:spPr bwMode="auto">
           <a:xfrm>
-            <a:off x="20284178" y="12192000"/>
-            <a:ext cx="9353550" cy="7419975"/>
-          </a:xfrm>
-          <a:prstGeom prst="rect">
-            <a:avLst/>
-          </a:prstGeom>
-          <a:noFill/>
-          <a:extLst>
-            <a:ext uri="{909E8E84-426E-40DD-AFC4-6F175D3DCCD1}">
-              <a14:hiddenFill xmlns:a14="http://schemas.microsoft.com/office/drawing/2010/main">
-                <a:solidFill>
-                  <a:srgbClr val="FFFFFF"/>
-                </a:solidFill>
-              </a14:hiddenFill>
-            </a:ext>
-          </a:extLst>
-        </p:spPr>
-      </p:pic>
-      <p:pic>
-        <p:nvPicPr>
-          <p:cNvPr id="1032" name="Picture 8" descr="CreateInventory.JPG">
-            <a:extLst>
-              <a:ext uri="{FF2B5EF4-FFF2-40B4-BE49-F238E27FC236}">
-                <a16:creationId xmlns:a16="http://schemas.microsoft.com/office/drawing/2014/main" id="{D9E5B57B-BD1C-4C40-81FB-C989DF0E5758}"/>
-              </a:ext>
-            </a:extLst>
-          </p:cNvPr>
-          <p:cNvPicPr>
-            <a:picLocks noChangeAspect="1" noChangeArrowheads="1"/>
-          </p:cNvPicPr>
-          <p:nvPr/>
-        </p:nvPicPr>
-        <p:blipFill>
-          <a:blip r:embed="rId5">
-            <a:extLst>
-              <a:ext uri="{28A0092B-C50C-407E-A947-70E740481C1C}">
-                <a14:useLocalDpi xmlns:a14="http://schemas.microsoft.com/office/drawing/2010/main" val="0"/>
-              </a:ext>
-            </a:extLst>
-          </a:blip>
-          <a:srcRect/>
-          <a:stretch>
-            <a:fillRect/>
-          </a:stretch>
-        </p:blipFill>
-        <p:spPr bwMode="auto">
-          <a:xfrm>
-            <a:off x="30719506" y="12213771"/>
-            <a:ext cx="12306300" cy="5800725"/>
+            <a:off x="32689800" y="11226748"/>
+            <a:ext cx="13336932" cy="6316215"/>
           </a:xfrm>
           <a:prstGeom prst="rect">
             <a:avLst/>
@@ -3891,7 +3809,7 @@
         </p:nvSpPr>
         <p:spPr>
           <a:xfrm>
-            <a:off x="30719506" y="18014496"/>
+            <a:off x="32689800" y="19070419"/>
             <a:ext cx="7444662" cy="646331"/>
           </a:xfrm>
           <a:prstGeom prst="rect">
@@ -3926,8 +3844,8 @@
         </p:nvSpPr>
         <p:spPr>
           <a:xfrm>
-            <a:off x="10619003" y="21795075"/>
-            <a:ext cx="8583397" cy="5005626"/>
+            <a:off x="10547051" y="18014496"/>
+            <a:ext cx="8583397" cy="3779758"/>
           </a:xfrm>
           <a:prstGeom prst="roundRect">
             <a:avLst/>
@@ -3984,12 +3902,12 @@
           <a:p>
             <a:pPr algn="ctr"/>
             <a:r>
-              <a:rPr lang="en-US" sz="3600" u="sng" dirty="0">
+              <a:rPr lang="en-US" sz="3600" b="1" u="sng" dirty="0">
                 <a:solidFill>
                   <a:schemeClr val="tx1"/>
                 </a:solidFill>
               </a:rPr>
-              <a:t>Interface:</a:t>
+              <a:t>Interface</a:t>
             </a:r>
           </a:p>
           <a:p>
@@ -4003,7 +3921,7 @@
                   <a:schemeClr val="tx1"/>
                 </a:solidFill>
               </a:rPr>
-              <a:t>Made using Asp.net frame work </a:t>
+              <a:t>Designed using ASP.NET</a:t>
             </a:r>
           </a:p>
           <a:p>
@@ -4017,7 +3935,7 @@
                   <a:schemeClr val="tx1"/>
                 </a:solidFill>
               </a:rPr>
-              <a:t>Designed to work on mobile </a:t>
+              <a:t>Mobile compatible</a:t>
             </a:r>
           </a:p>
           <a:p>
@@ -4031,7 +3949,7 @@
                   <a:schemeClr val="tx1"/>
                 </a:solidFill>
               </a:rPr>
-              <a:t>Complies with UND design standards</a:t>
+              <a:t>Complies with most UND design standards</a:t>
             </a:r>
           </a:p>
           <a:p>
@@ -4045,7 +3963,7 @@
                   <a:schemeClr val="tx1"/>
                 </a:solidFill>
               </a:rPr>
-              <a:t>Allows for easy navigation between features via navigation bar</a:t>
+              <a:t>Allows for easy navigation</a:t>
             </a:r>
           </a:p>
         </p:txBody>
@@ -4064,7 +3982,7 @@
         </p:nvSpPr>
         <p:spPr>
           <a:xfrm>
-            <a:off x="10619003" y="27582979"/>
+            <a:off x="753341" y="28161210"/>
             <a:ext cx="8583397" cy="2553891"/>
           </a:xfrm>
           <a:prstGeom prst="roundRect">
@@ -4122,12 +4040,12 @@
           <a:p>
             <a:pPr algn="ctr"/>
             <a:r>
-              <a:rPr lang="en-US" sz="3600" u="sng" dirty="0">
+              <a:rPr lang="en-US" sz="3600" b="1" u="sng" dirty="0">
                 <a:solidFill>
                   <a:schemeClr val="tx1"/>
                 </a:solidFill>
               </a:rPr>
-              <a:t>Backend Database:</a:t>
+              <a:t>Backend Database</a:t>
             </a:r>
           </a:p>
           <a:p>
@@ -4160,8 +4078,8 @@
         </p:nvSpPr>
         <p:spPr>
           <a:xfrm>
-            <a:off x="816430" y="21795075"/>
-            <a:ext cx="8583398" cy="5005626"/>
+            <a:off x="759297" y="18014496"/>
+            <a:ext cx="8583398" cy="3779758"/>
           </a:xfrm>
           <a:prstGeom prst="roundRect">
             <a:avLst/>
@@ -4218,12 +4136,12 @@
           <a:p>
             <a:pPr algn="ctr"/>
             <a:r>
-              <a:rPr lang="en-US" sz="3600" u="sng" dirty="0">
+              <a:rPr lang="en-US" sz="3600" b="1" u="sng" dirty="0">
                 <a:solidFill>
                   <a:schemeClr val="tx1"/>
                 </a:solidFill>
               </a:rPr>
-              <a:t>Barcode Scanning:</a:t>
+              <a:t>Barcode Scanning</a:t>
             </a:r>
           </a:p>
           <a:p>
@@ -4237,7 +4155,7 @@
                   <a:schemeClr val="tx1"/>
                 </a:solidFill>
               </a:rPr>
-              <a:t>On android scanning is handled by a call to the external app “</a:t>
+              <a:t>Android Scanning supported by external app “Barcode Scanner” by </a:t>
             </a:r>
             <a:r>
               <a:rPr lang="en-US" sz="3600" dirty="0" err="1">
@@ -4245,7 +4163,7 @@
                   <a:schemeClr val="tx1"/>
                 </a:solidFill>
               </a:rPr>
-              <a:t>XZing</a:t>
+              <a:t>ZXing</a:t>
             </a:r>
             <a:r>
               <a:rPr lang="en-US" sz="3600" dirty="0">
@@ -4253,7 +4171,7 @@
                   <a:schemeClr val="tx1"/>
                 </a:solidFill>
               </a:rPr>
-              <a:t> Barcode Scanner”</a:t>
+              <a:t>.</a:t>
             </a:r>
           </a:p>
           <a:p>
@@ -4267,21 +4185,7 @@
                   <a:schemeClr val="tx1"/>
                 </a:solidFill>
               </a:rPr>
-              <a:t>On PC scanning is handled by a USB hand scanner </a:t>
-            </a:r>
-          </a:p>
-          <a:p>
-            <a:pPr marL="857250" indent="-857250">
-              <a:buFont typeface="Arial" panose="020B0604020202020204" pitchFamily="34" charset="0"/>
-              <a:buChar char="•"/>
-            </a:pPr>
-            <a:r>
-              <a:rPr lang="en-US" sz="3600" dirty="0">
-                <a:solidFill>
-                  <a:schemeClr val="tx1"/>
-                </a:solidFill>
-              </a:rPr>
-              <a:t>No scanning available on non android phones</a:t>
+              <a:t>PC scanning is supported by a USB hand scanner </a:t>
             </a:r>
           </a:p>
         </p:txBody>
@@ -4300,8 +4204,8 @@
         </p:nvSpPr>
         <p:spPr>
           <a:xfrm>
-            <a:off x="759297" y="27584343"/>
-            <a:ext cx="8686800" cy="4392692"/>
+            <a:off x="816430" y="22474919"/>
+            <a:ext cx="8686800" cy="5005626"/>
           </a:xfrm>
           <a:prstGeom prst="roundRect">
             <a:avLst/>
@@ -4358,14 +4262,14 @@
           <a:p>
             <a:pPr algn="ctr"/>
             <a:r>
-              <a:rPr lang="en-US" sz="3600" u="sng" dirty="0">
+              <a:rPr lang="en-US" sz="3600" b="1" u="sng" dirty="0">
                 <a:solidFill>
                   <a:schemeClr val="tx1"/>
                 </a:solidFill>
               </a:rPr>
-              <a:t>Prepping for Future Development:</a:t>
-            </a:r>
-            <a:endParaRPr lang="en-US" sz="3600" dirty="0">
+              <a:t>Prepping for Future Development</a:t>
+            </a:r>
+            <a:endParaRPr lang="en-US" sz="3600" b="1" dirty="0">
               <a:solidFill>
                 <a:schemeClr val="tx1"/>
               </a:solidFill>
@@ -4382,7 +4286,7 @@
                   <a:schemeClr val="tx1"/>
                 </a:solidFill>
               </a:rPr>
-              <a:t>Set up scripts and explanation documents have been written for database set up.</a:t>
+              <a:t>README documentation is provided for detailed explanation to set up database and how the system works. </a:t>
             </a:r>
           </a:p>
           <a:p>
@@ -4396,7 +4300,7 @@
                   <a:schemeClr val="tx1"/>
                 </a:solidFill>
               </a:rPr>
-              <a:t>Most the code pages have explanation headers and further explanation comments </a:t>
+              <a:t>Source code pages have explanation headers and further explanation comments </a:t>
             </a:r>
           </a:p>
         </p:txBody>
@@ -4407,6 +4311,88 @@
             <a:extLst>
               <a:ext uri="{FF2B5EF4-FFF2-40B4-BE49-F238E27FC236}">
                 <a16:creationId xmlns:a16="http://schemas.microsoft.com/office/drawing/2014/main" id="{3446FDEF-06EF-4C53-B760-95AC9B04CC65}"/>
+              </a:ext>
+            </a:extLst>
+          </p:cNvPr>
+          <p:cNvPicPr>
+            <a:picLocks noChangeAspect="1" noChangeArrowheads="1"/>
+          </p:cNvPicPr>
+          <p:nvPr/>
+        </p:nvPicPr>
+        <p:blipFill>
+          <a:blip r:embed="rId5">
+            <a:extLst>
+              <a:ext uri="{28A0092B-C50C-407E-A947-70E740481C1C}">
+                <a14:useLocalDpi xmlns:a14="http://schemas.microsoft.com/office/drawing/2010/main" val="0"/>
+              </a:ext>
+            </a:extLst>
+          </a:blip>
+          <a:srcRect/>
+          <a:stretch>
+            <a:fillRect/>
+          </a:stretch>
+        </p:blipFill>
+        <p:spPr bwMode="auto">
+          <a:xfrm>
+            <a:off x="20206008" y="22309613"/>
+            <a:ext cx="12271661" cy="8710972"/>
+          </a:xfrm>
+          <a:prstGeom prst="rect">
+            <a:avLst/>
+          </a:prstGeom>
+          <a:noFill/>
+          <a:extLst>
+            <a:ext uri="{909E8E84-426E-40DD-AFC4-6F175D3DCCD1}">
+              <a14:hiddenFill xmlns:a14="http://schemas.microsoft.com/office/drawing/2010/main">
+                <a:solidFill>
+                  <a:srgbClr val="FFFFFF"/>
+                </a:solidFill>
+              </a14:hiddenFill>
+            </a:ext>
+          </a:extLst>
+        </p:spPr>
+      </p:pic>
+      <p:sp>
+        <p:nvSpPr>
+          <p:cNvPr id="19" name="TextBox 18">
+            <a:extLst>
+              <a:ext uri="{FF2B5EF4-FFF2-40B4-BE49-F238E27FC236}">
+                <a16:creationId xmlns:a16="http://schemas.microsoft.com/office/drawing/2014/main" id="{A54B0BBE-FB9A-481C-B809-47C4F081363B}"/>
+              </a:ext>
+            </a:extLst>
+          </p:cNvPr>
+          <p:cNvSpPr txBox="1"/>
+          <p:nvPr/>
+        </p:nvSpPr>
+        <p:spPr>
+          <a:xfrm>
+            <a:off x="20862435" y="30557210"/>
+            <a:ext cx="8197036" cy="646331"/>
+          </a:xfrm>
+          <a:prstGeom prst="rect">
+            <a:avLst/>
+          </a:prstGeom>
+          <a:noFill/>
+        </p:spPr>
+        <p:txBody>
+          <a:bodyPr wrap="square" rtlCol="0">
+            <a:spAutoFit/>
+          </a:bodyPr>
+          <a:lstStyle/>
+          <a:p>
+            <a:r>
+              <a:rPr lang="en-US" sz="3600" dirty="0"/>
+              <a:t>Diagram 4: Database Diagram </a:t>
+            </a:r>
+          </a:p>
+        </p:txBody>
+      </p:sp>
+      <p:pic>
+        <p:nvPicPr>
+          <p:cNvPr id="1036" name="Picture 12" descr="https://raw.githubusercontent.com/frozenNodak/InventoryManagement491/master/Database%20Screenshots/EquimentTable.JPG">
+            <a:extLst>
+              <a:ext uri="{FF2B5EF4-FFF2-40B4-BE49-F238E27FC236}">
+                <a16:creationId xmlns:a16="http://schemas.microsoft.com/office/drawing/2014/main" id="{5AADB57F-3482-4480-944C-CC6B3869415A}"/>
               </a:ext>
             </a:extLst>
           </p:cNvPr>
@@ -4430,90 +4416,8 @@
         </p:blipFill>
         <p:spPr bwMode="auto">
           <a:xfrm>
-            <a:off x="28418353" y="20548892"/>
-            <a:ext cx="5514975" cy="3914775"/>
-          </a:xfrm>
-          <a:prstGeom prst="rect">
-            <a:avLst/>
-          </a:prstGeom>
-          <a:noFill/>
-          <a:extLst>
-            <a:ext uri="{909E8E84-426E-40DD-AFC4-6F175D3DCCD1}">
-              <a14:hiddenFill xmlns:a14="http://schemas.microsoft.com/office/drawing/2010/main">
-                <a:solidFill>
-                  <a:srgbClr val="FFFFFF"/>
-                </a:solidFill>
-              </a14:hiddenFill>
-            </a:ext>
-          </a:extLst>
-        </p:spPr>
-      </p:pic>
-      <p:sp>
-        <p:nvSpPr>
-          <p:cNvPr id="19" name="TextBox 18">
-            <a:extLst>
-              <a:ext uri="{FF2B5EF4-FFF2-40B4-BE49-F238E27FC236}">
-                <a16:creationId xmlns:a16="http://schemas.microsoft.com/office/drawing/2014/main" id="{A54B0BBE-FB9A-481C-B809-47C4F081363B}"/>
-              </a:ext>
-            </a:extLst>
-          </p:cNvPr>
-          <p:cNvSpPr txBox="1"/>
-          <p:nvPr/>
-        </p:nvSpPr>
-        <p:spPr>
-          <a:xfrm>
-            <a:off x="28418353" y="24463667"/>
-            <a:ext cx="6466094" cy="646331"/>
-          </a:xfrm>
-          <a:prstGeom prst="rect">
-            <a:avLst/>
-          </a:prstGeom>
-          <a:noFill/>
-        </p:spPr>
-        <p:txBody>
-          <a:bodyPr wrap="square" rtlCol="0">
-            <a:spAutoFit/>
-          </a:bodyPr>
-          <a:lstStyle/>
-          <a:p>
-            <a:r>
-              <a:rPr lang="en-US" sz="3600" dirty="0"/>
-              <a:t>Diagram 4: Database Diagram </a:t>
-            </a:r>
-          </a:p>
-        </p:txBody>
-      </p:sp>
-      <p:pic>
-        <p:nvPicPr>
-          <p:cNvPr id="1036" name="Picture 12" descr="https://raw.githubusercontent.com/frozenNodak/InventoryManagement491/master/Database%20Screenshots/EquimentTable.JPG">
-            <a:extLst>
-              <a:ext uri="{FF2B5EF4-FFF2-40B4-BE49-F238E27FC236}">
-                <a16:creationId xmlns:a16="http://schemas.microsoft.com/office/drawing/2014/main" id="{5AADB57F-3482-4480-944C-CC6B3869415A}"/>
-              </a:ext>
-            </a:extLst>
-          </p:cNvPr>
-          <p:cNvPicPr>
-            <a:picLocks noChangeAspect="1" noChangeArrowheads="1"/>
-          </p:cNvPicPr>
-          <p:nvPr/>
-        </p:nvPicPr>
-        <p:blipFill>
-          <a:blip r:embed="rId7">
-            <a:extLst>
-              <a:ext uri="{28A0092B-C50C-407E-A947-70E740481C1C}">
-                <a14:useLocalDpi xmlns:a14="http://schemas.microsoft.com/office/drawing/2010/main" val="0"/>
-              </a:ext>
-            </a:extLst>
-          </a:blip>
-          <a:srcRect/>
-          <a:stretch>
-            <a:fillRect/>
-          </a:stretch>
-        </p:blipFill>
-        <p:spPr bwMode="auto">
-          <a:xfrm>
-            <a:off x="36560847" y="21089184"/>
-            <a:ext cx="3705225" cy="3171825"/>
+            <a:off x="33340494" y="22309612"/>
+            <a:ext cx="9634582" cy="8247598"/>
           </a:xfrm>
           <a:prstGeom prst="rect">
             <a:avLst/>
@@ -4544,8 +4448,8 @@
         </p:nvSpPr>
         <p:spPr>
           <a:xfrm>
-            <a:off x="36457444" y="24463667"/>
-            <a:ext cx="6466094" cy="646331"/>
+            <a:off x="33150325" y="30609020"/>
+            <a:ext cx="7444661" cy="646331"/>
           </a:xfrm>
           <a:prstGeom prst="rect">
             <a:avLst/>
@@ -4579,8 +4483,8 @@
         </p:nvSpPr>
         <p:spPr bwMode="auto">
           <a:xfrm>
-            <a:off x="30031459" y="26358478"/>
-            <a:ext cx="16764000" cy="5618557"/>
+            <a:off x="10578791" y="22506279"/>
+            <a:ext cx="8551657" cy="8607324"/>
           </a:xfrm>
           <a:prstGeom prst="roundRect">
             <a:avLst/>
@@ -4630,7 +4534,7 @@
           </a:bodyPr>
           <a:lstStyle/>
           <a:p>
-            <a:pPr marL="457200" marR="0" indent="0" algn="l" defTabSz="914400" rtl="0" eaLnBrk="1" fontAlgn="base" latinLnBrk="0" hangingPunct="0">
+            <a:pPr marL="457200" marR="0" indent="0" algn="ctr" defTabSz="914400" rtl="0" eaLnBrk="1" fontAlgn="base" latinLnBrk="0" hangingPunct="0">
               <a:lnSpc>
                 <a:spcPct val="100000"/>
               </a:lnSpc>
@@ -4647,7 +4551,7 @@
               <a:tabLst/>
             </a:pPr>
             <a:r>
-              <a:rPr kumimoji="0" lang="en-US" sz="3600" b="0" i="0" u="sng" strike="noStrike" cap="none" normalizeH="0" baseline="0" dirty="0">
+              <a:rPr kumimoji="0" lang="en-US" sz="3600" b="1" i="0" u="sng" strike="noStrike" cap="none" normalizeH="0" baseline="0" dirty="0">
                 <a:ln>
                   <a:noFill/>
                 </a:ln>
@@ -4659,7 +4563,7 @@
                 <a:cs typeface="Arial" pitchFamily="34" charset="0"/>
                 <a:sym typeface="Arial" pitchFamily="34" charset="0"/>
               </a:rPr>
-              <a:t>Future work:</a:t>
+              <a:t>Future work</a:t>
             </a:r>
           </a:p>
           <a:p>

--- a/Poster better version.pptx
+++ b/Poster better version.pptx
@@ -3301,7 +3301,7 @@
               <a:rPr lang="en-US" sz="7200" dirty="0">
                 <a:latin typeface="Helvetica" panose="020B0604020202020204" pitchFamily="34" charset="0"/>
               </a:rPr>
-              <a:t>August Davis, David Erickson, Christian Hanson</a:t>
+              <a:t>August Davis, David Erickson, Christian Hansen</a:t>
             </a:r>
             <a:br>
               <a:rPr lang="en-US" sz="7200" dirty="0">
@@ -3825,7 +3825,7 @@
           <a:p>
             <a:r>
               <a:rPr lang="en-US" sz="3600" dirty="0"/>
-              <a:t>Diagram 3: Create inventory Page </a:t>
+              <a:t>Diagram 2: Create inventory Page </a:t>
             </a:r>
           </a:p>
         </p:txBody>
@@ -4382,7 +4382,7 @@
           <a:p>
             <a:r>
               <a:rPr lang="en-US" sz="3600" dirty="0"/>
-              <a:t>Diagram 4: Database Diagram </a:t>
+              <a:t>Diagram 3: Database Diagram </a:t>
             </a:r>
           </a:p>
         </p:txBody>
@@ -4463,8 +4463,12 @@
           <a:lstStyle/>
           <a:p>
             <a:r>
+              <a:rPr lang="en-US" sz="3600"/>
+              <a:t>Diagram 4: </a:t>
+            </a:r>
+            <a:r>
               <a:rPr lang="en-US" sz="3600" dirty="0"/>
-              <a:t>Diagram 5: Equipment Table  </a:t>
+              <a:t>Equipment Table  </a:t>
             </a:r>
           </a:p>
         </p:txBody>
